--- a/output/ppt for project 5.pptx
+++ b/output/ppt for project 5.pptx
@@ -123,6 +123,11 @@
       </a:defRPr>
     </a:lvl9pPr>
   </p:defaultTextStyle>
+  <p:extLst>
+    <p:ext uri="{EFAFB233-063F-42B5-8137-9DF3F51BA10A}">
+      <p15:sldGuideLst xmlns:p15="http://schemas.microsoft.com/office/powerpoint/2012/main"/>
+    </p:ext>
+  </p:extLst>
 </p:presentation>
 </file>
 
@@ -3646,7 +3651,11 @@
           <a:p>
             <a:r>
               <a:rPr kumimoji="1" lang="en-US" altLang="zh-CN" dirty="0" smtClean="0"/>
-              <a:t>Wine Quality</a:t>
+              <a:t>Wine </a:t>
+            </a:r>
+            <a:r>
+              <a:rPr kumimoji="1" lang="en-US" altLang="zh-CN" dirty="0" smtClean="0"/>
+              <a:t>Quality</a:t>
             </a:r>
             <a:endParaRPr kumimoji="1" lang="zh-CN" altLang="en-US" dirty="0"/>
           </a:p>
@@ -3664,20 +3673,44 @@
         </p:nvSpPr>
         <p:spPr>
           <a:xfrm>
-            <a:off x="1100051" y="2082800"/>
+            <a:off x="1097280" y="1841500"/>
             <a:ext cx="10058400" cy="3515820"/>
           </a:xfrm>
         </p:spPr>
         <p:txBody>
           <a:bodyPr>
-            <a:normAutofit/>
+            <a:normAutofit fontScale="92500" lnSpcReduction="20000"/>
           </a:bodyPr>
           <a:lstStyle/>
           <a:p>
             <a:pPr algn="l"/>
             <a:r>
-              <a:rPr kumimoji="1" lang="en-US" altLang="zh-CN" dirty="0" smtClean="0"/>
-              <a:t>Team members:      Yina Wei    </a:t>
+              <a:rPr kumimoji="1" lang="en-US" altLang="zh-CN" sz="3200" b="1" dirty="0" smtClean="0"/>
+              <a:t>Group</a:t>
+            </a:r>
+            <a:r>
+              <a:rPr kumimoji="1" lang="zh-CN" altLang="en-US" sz="3200" b="1" dirty="0" smtClean="0"/>
+              <a:t> </a:t>
+            </a:r>
+            <a:r>
+              <a:rPr kumimoji="1" lang="en-US" altLang="zh-CN" sz="3200" b="1" dirty="0" smtClean="0"/>
+              <a:t>10</a:t>
+            </a:r>
+            <a:r>
+              <a:rPr kumimoji="1" lang="zh-CN" altLang="en-US" dirty="0" smtClean="0"/>
+              <a:t>：</a:t>
+            </a:r>
+            <a:endParaRPr kumimoji="1" lang="en-US" altLang="zh-CN" dirty="0" smtClean="0"/>
+          </a:p>
+          <a:p>
+            <a:pPr algn="l"/>
+            <a:r>
+              <a:rPr kumimoji="1" lang="en-US" altLang="zh-CN" dirty="0" smtClean="0"/>
+              <a:t>Team </a:t>
+            </a:r>
+            <a:r>
+              <a:rPr kumimoji="1" lang="en-US" altLang="zh-CN" dirty="0" smtClean="0"/>
+              <a:t>members:      Yina Wei    </a:t>
             </a:r>
             <a:r>
               <a:rPr kumimoji="1" lang="en-US" altLang="zh-CN" dirty="0" err="1" smtClean="0"/>
